--- a/Презентация Полянский.pptx
+++ b/Презентация Полянский.pptx
@@ -15,9 +15,15 @@
     <p:sldId id="267" r:id="rId9"/>
     <p:sldId id="268" r:id="rId10"/>
     <p:sldId id="269" r:id="rId11"/>
-    <p:sldId id="264" r:id="rId12"/>
-    <p:sldId id="265" r:id="rId13"/>
-    <p:sldId id="266" r:id="rId14"/>
+    <p:sldId id="270" r:id="rId12"/>
+    <p:sldId id="271" r:id="rId13"/>
+    <p:sldId id="280" r:id="rId14"/>
+    <p:sldId id="264" r:id="rId15"/>
+    <p:sldId id="281" r:id="rId16"/>
+    <p:sldId id="282" r:id="rId17"/>
+    <p:sldId id="286" r:id="rId18"/>
+    <p:sldId id="265" r:id="rId19"/>
+    <p:sldId id="266" r:id="rId20"/>
   </p:sldIdLst>
   <p:sldSz cx="9144000" cy="6858000" type="screen4x3"/>
   <p:notesSz cx="6858000" cy="9144000"/>
@@ -255,7 +261,7 @@
           <a:p>
             <a:fld id="{B6C161F9-E625-4848-B7EC-CA786F51A855}" type="datetimeFigureOut">
               <a:rPr lang="ru-RU" smtClean="0"/>
-              <a:t>24.05.2022</a:t>
+              <a:t>26.05.2022</a:t>
             </a:fld>
             <a:endParaRPr lang="ru-RU"/>
           </a:p>
@@ -425,7 +431,7 @@
           <a:p>
             <a:fld id="{B6C161F9-E625-4848-B7EC-CA786F51A855}" type="datetimeFigureOut">
               <a:rPr lang="ru-RU" smtClean="0"/>
-              <a:t>24.05.2022</a:t>
+              <a:t>26.05.2022</a:t>
             </a:fld>
             <a:endParaRPr lang="ru-RU"/>
           </a:p>
@@ -605,7 +611,7 @@
           <a:p>
             <a:fld id="{B6C161F9-E625-4848-B7EC-CA786F51A855}" type="datetimeFigureOut">
               <a:rPr lang="ru-RU" smtClean="0"/>
-              <a:t>24.05.2022</a:t>
+              <a:t>26.05.2022</a:t>
             </a:fld>
             <a:endParaRPr lang="ru-RU"/>
           </a:p>
@@ -775,7 +781,7 @@
           <a:p>
             <a:fld id="{B6C161F9-E625-4848-B7EC-CA786F51A855}" type="datetimeFigureOut">
               <a:rPr lang="ru-RU" smtClean="0"/>
-              <a:t>24.05.2022</a:t>
+              <a:t>26.05.2022</a:t>
             </a:fld>
             <a:endParaRPr lang="ru-RU"/>
           </a:p>
@@ -1019,7 +1025,7 @@
           <a:p>
             <a:fld id="{B6C161F9-E625-4848-B7EC-CA786F51A855}" type="datetimeFigureOut">
               <a:rPr lang="ru-RU" smtClean="0"/>
-              <a:t>24.05.2022</a:t>
+              <a:t>26.05.2022</a:t>
             </a:fld>
             <a:endParaRPr lang="ru-RU"/>
           </a:p>
@@ -1251,7 +1257,7 @@
           <a:p>
             <a:fld id="{B6C161F9-E625-4848-B7EC-CA786F51A855}" type="datetimeFigureOut">
               <a:rPr lang="ru-RU" smtClean="0"/>
-              <a:t>24.05.2022</a:t>
+              <a:t>26.05.2022</a:t>
             </a:fld>
             <a:endParaRPr lang="ru-RU"/>
           </a:p>
@@ -1618,7 +1624,7 @@
           <a:p>
             <a:fld id="{B6C161F9-E625-4848-B7EC-CA786F51A855}" type="datetimeFigureOut">
               <a:rPr lang="ru-RU" smtClean="0"/>
-              <a:t>24.05.2022</a:t>
+              <a:t>26.05.2022</a:t>
             </a:fld>
             <a:endParaRPr lang="ru-RU"/>
           </a:p>
@@ -1736,7 +1742,7 @@
           <a:p>
             <a:fld id="{B6C161F9-E625-4848-B7EC-CA786F51A855}" type="datetimeFigureOut">
               <a:rPr lang="ru-RU" smtClean="0"/>
-              <a:t>24.05.2022</a:t>
+              <a:t>26.05.2022</a:t>
             </a:fld>
             <a:endParaRPr lang="ru-RU"/>
           </a:p>
@@ -1831,7 +1837,7 @@
           <a:p>
             <a:fld id="{B6C161F9-E625-4848-B7EC-CA786F51A855}" type="datetimeFigureOut">
               <a:rPr lang="ru-RU" smtClean="0"/>
-              <a:t>24.05.2022</a:t>
+              <a:t>26.05.2022</a:t>
             </a:fld>
             <a:endParaRPr lang="ru-RU"/>
           </a:p>
@@ -2108,7 +2114,7 @@
           <a:p>
             <a:fld id="{B6C161F9-E625-4848-B7EC-CA786F51A855}" type="datetimeFigureOut">
               <a:rPr lang="ru-RU" smtClean="0"/>
-              <a:t>24.05.2022</a:t>
+              <a:t>26.05.2022</a:t>
             </a:fld>
             <a:endParaRPr lang="ru-RU"/>
           </a:p>
@@ -2365,7 +2371,7 @@
           <a:p>
             <a:fld id="{B6C161F9-E625-4848-B7EC-CA786F51A855}" type="datetimeFigureOut">
               <a:rPr lang="ru-RU" smtClean="0"/>
-              <a:t>24.05.2022</a:t>
+              <a:t>26.05.2022</a:t>
             </a:fld>
             <a:endParaRPr lang="ru-RU"/>
           </a:p>
@@ -2578,7 +2584,7 @@
           <a:p>
             <a:fld id="{B6C161F9-E625-4848-B7EC-CA786F51A855}" type="datetimeFigureOut">
               <a:rPr lang="ru-RU" smtClean="0"/>
-              <a:t>24.05.2022</a:t>
+              <a:t>26.05.2022</a:t>
             </a:fld>
             <a:endParaRPr lang="ru-RU"/>
           </a:p>
@@ -3706,314 +3712,318 @@
       </p:grpSpPr>
       <p:sp>
         <p:nvSpPr>
-          <p:cNvPr id="4" name="Google Shape;168;p3">
+          <p:cNvPr id="2" name="Заголовок 1">
             <a:extLst>
               <a:ext uri="{FF2B5EF4-FFF2-40B4-BE49-F238E27FC236}">
-                <a16:creationId xmlns:a16="http://schemas.microsoft.com/office/drawing/2014/main" id="{2539D7DA-C664-410B-9FE1-CCD1A0CA28E5}"/>
+                <a16:creationId xmlns:a16="http://schemas.microsoft.com/office/drawing/2014/main" id="{91A003FC-D204-40BC-96B4-59B57428F86A}"/>
               </a:ext>
             </a:extLst>
           </p:cNvPr>
-          <p:cNvSpPr txBox="1">
+          <p:cNvSpPr>
             <a:spLocks noGrp="1"/>
           </p:cNvSpPr>
           <p:nvPr>
             <p:ph type="title"/>
           </p:nvPr>
         </p:nvSpPr>
-        <p:spPr>
-          <a:xfrm>
-            <a:off x="628650" y="365126"/>
-            <a:ext cx="7886700" cy="1325563"/>
-          </a:xfrm>
-          <a:prstGeom prst="rect">
-            <a:avLst/>
-          </a:prstGeom>
-          <a:noFill/>
-          <a:ln>
-            <a:noFill/>
-          </a:ln>
-        </p:spPr>
-        <p:txBody>
-          <a:bodyPr spcFirstLastPara="1" wrap="square" lIns="91425" tIns="45700" rIns="91425" bIns="45700" anchor="ctr" anchorCtr="0">
-            <a:normAutofit/>
-          </a:bodyPr>
+        <p:spPr/>
+        <p:txBody>
+          <a:bodyPr/>
           <a:lstStyle/>
           <a:p>
-            <a:pPr marL="0" lvl="0" indent="0" algn="l" rtl="0">
-              <a:lnSpc>
-                <a:spcPct val="90000"/>
-              </a:lnSpc>
-              <a:spcBef>
-                <a:spcPts val="0"/>
-              </a:spcBef>
-              <a:spcAft>
-                <a:spcPts val="0"/>
-              </a:spcAft>
-              <a:buClr>
-                <a:schemeClr val="dk1"/>
-              </a:buClr>
-              <a:buSzPts val="3300"/>
-              <a:buFont typeface="Play"/>
-              <a:buNone/>
-            </a:pPr>
-            <a:r>
-              <a:rPr lang="ru-RU" dirty="0">
-                <a:latin typeface="Arial"/>
-                <a:ea typeface="Arial"/>
-                <a:cs typeface="Arial"/>
-                <a:sym typeface="Arial"/>
-              </a:rPr>
-              <a:t>Интерфейс приложения</a:t>
-            </a:r>
-            <a:endParaRPr dirty="0">
-              <a:latin typeface="Arial"/>
-              <a:ea typeface="Arial"/>
-              <a:cs typeface="Arial"/>
-              <a:sym typeface="Arial"/>
-            </a:endParaRPr>
-          </a:p>
-        </p:txBody>
-      </p:sp>
-      <p:sp>
-        <p:nvSpPr>
-          <p:cNvPr id="5" name="Google Shape;169;p3">
+            <a:r>
+              <a:rPr lang="ru-RU" dirty="0"/>
+              <a:t>Описание сервера</a:t>
+            </a:r>
+            <a:r>
+              <a:rPr lang="en-US" dirty="0"/>
+              <a:t>.</a:t>
+            </a:r>
+            <a:endParaRPr lang="ru-RU" dirty="0"/>
+          </a:p>
+        </p:txBody>
+      </p:sp>
+      <p:sp>
+        <p:nvSpPr>
+          <p:cNvPr id="3" name="Объект 2">
             <a:extLst>
               <a:ext uri="{FF2B5EF4-FFF2-40B4-BE49-F238E27FC236}">
-                <a16:creationId xmlns:a16="http://schemas.microsoft.com/office/drawing/2014/main" id="{AD5C420F-C63D-4376-9310-1DDC21F94D33}"/>
+                <a16:creationId xmlns:a16="http://schemas.microsoft.com/office/drawing/2014/main" id="{63EDF65E-601A-470A-89D2-FB13D7A1C42D}"/>
               </a:ext>
             </a:extLst>
           </p:cNvPr>
-          <p:cNvSpPr txBox="1">
-            <a:spLocks/>
-          </p:cNvSpPr>
-          <p:nvPr/>
+          <p:cNvSpPr>
+            <a:spLocks noGrp="1"/>
+          </p:cNvSpPr>
+          <p:nvPr>
+            <p:ph idx="1"/>
+          </p:nvPr>
         </p:nvSpPr>
         <p:spPr>
           <a:xfrm>
-            <a:off x="628650" y="1825625"/>
-            <a:ext cx="7886700" cy="4540500"/>
+            <a:off x="0" y="1690690"/>
+            <a:ext cx="9144000" cy="5167310"/>
           </a:xfrm>
-          <a:prstGeom prst="rect">
-            <a:avLst/>
-          </a:prstGeom>
-          <a:noFill/>
-          <a:ln>
-            <a:noFill/>
-          </a:ln>
         </p:spPr>
         <p:txBody>
-          <a:bodyPr spcFirstLastPara="1" vert="horz" wrap="square" lIns="91425" tIns="45700" rIns="91425" bIns="45700" rtlCol="0" anchor="t" anchorCtr="0">
-            <a:normAutofit/>
+          <a:bodyPr>
+            <a:normAutofit lnSpcReduction="10000"/>
           </a:bodyPr>
-          <a:lstStyle>
-            <a:lvl1pPr marL="228600" indent="-228600" algn="l" defTabSz="914400" rtl="0" eaLnBrk="1" latinLnBrk="0" hangingPunct="1">
-              <a:lnSpc>
-                <a:spcPct val="90000"/>
-              </a:lnSpc>
-              <a:spcBef>
-                <a:spcPts val="1000"/>
-              </a:spcBef>
-              <a:buFont typeface="Arial" panose="020B0604020202020204" pitchFamily="34" charset="0"/>
-              <a:buChar char="•"/>
-              <a:defRPr sz="2800" kern="1200">
-                <a:solidFill>
-                  <a:schemeClr val="tx1"/>
-                </a:solidFill>
-                <a:latin typeface="+mn-lt"/>
-                <a:ea typeface="+mn-ea"/>
-                <a:cs typeface="+mn-cs"/>
-              </a:defRPr>
-            </a:lvl1pPr>
-            <a:lvl2pPr marL="685800" indent="-228600" algn="l" defTabSz="914400" rtl="0" eaLnBrk="1" latinLnBrk="0" hangingPunct="1">
-              <a:lnSpc>
-                <a:spcPct val="90000"/>
-              </a:lnSpc>
-              <a:spcBef>
-                <a:spcPts val="500"/>
-              </a:spcBef>
-              <a:buFont typeface="Arial" panose="020B0604020202020204" pitchFamily="34" charset="0"/>
-              <a:buChar char="•"/>
-              <a:defRPr sz="2400" kern="1200">
-                <a:solidFill>
-                  <a:schemeClr val="tx1"/>
-                </a:solidFill>
-                <a:latin typeface="+mn-lt"/>
-                <a:ea typeface="+mn-ea"/>
-                <a:cs typeface="+mn-cs"/>
-              </a:defRPr>
-            </a:lvl2pPr>
-            <a:lvl3pPr marL="1143000" indent="-228600" algn="l" defTabSz="914400" rtl="0" eaLnBrk="1" latinLnBrk="0" hangingPunct="1">
-              <a:lnSpc>
-                <a:spcPct val="90000"/>
-              </a:lnSpc>
-              <a:spcBef>
-                <a:spcPts val="500"/>
-              </a:spcBef>
-              <a:buFont typeface="Arial" panose="020B0604020202020204" pitchFamily="34" charset="0"/>
-              <a:buChar char="•"/>
-              <a:defRPr sz="2000" kern="1200">
-                <a:solidFill>
-                  <a:schemeClr val="tx1"/>
-                </a:solidFill>
-                <a:latin typeface="+mn-lt"/>
-                <a:ea typeface="+mn-ea"/>
-                <a:cs typeface="+mn-cs"/>
-              </a:defRPr>
-            </a:lvl3pPr>
-            <a:lvl4pPr marL="1600200" indent="-228600" algn="l" defTabSz="914400" rtl="0" eaLnBrk="1" latinLnBrk="0" hangingPunct="1">
-              <a:lnSpc>
-                <a:spcPct val="90000"/>
-              </a:lnSpc>
-              <a:spcBef>
-                <a:spcPts val="500"/>
-              </a:spcBef>
-              <a:buFont typeface="Arial" panose="020B0604020202020204" pitchFamily="34" charset="0"/>
-              <a:buChar char="•"/>
-              <a:defRPr sz="1800" kern="1200">
-                <a:solidFill>
-                  <a:schemeClr val="tx1"/>
-                </a:solidFill>
-                <a:latin typeface="+mn-lt"/>
-                <a:ea typeface="+mn-ea"/>
-                <a:cs typeface="+mn-cs"/>
-              </a:defRPr>
-            </a:lvl4pPr>
-            <a:lvl5pPr marL="2057400" indent="-228600" algn="l" defTabSz="914400" rtl="0" eaLnBrk="1" latinLnBrk="0" hangingPunct="1">
-              <a:lnSpc>
-                <a:spcPct val="90000"/>
-              </a:lnSpc>
-              <a:spcBef>
-                <a:spcPts val="500"/>
-              </a:spcBef>
-              <a:buFont typeface="Arial" panose="020B0604020202020204" pitchFamily="34" charset="0"/>
-              <a:buChar char="•"/>
-              <a:defRPr sz="1800" kern="1200">
-                <a:solidFill>
-                  <a:schemeClr val="tx1"/>
-                </a:solidFill>
-                <a:latin typeface="+mn-lt"/>
-                <a:ea typeface="+mn-ea"/>
-                <a:cs typeface="+mn-cs"/>
-              </a:defRPr>
-            </a:lvl5pPr>
-            <a:lvl6pPr marL="2514600" indent="-228600" algn="l" defTabSz="914400" rtl="0" eaLnBrk="1" latinLnBrk="0" hangingPunct="1">
-              <a:lnSpc>
-                <a:spcPct val="90000"/>
-              </a:lnSpc>
-              <a:spcBef>
-                <a:spcPts val="500"/>
-              </a:spcBef>
-              <a:buFont typeface="Arial" panose="020B0604020202020204" pitchFamily="34" charset="0"/>
-              <a:buChar char="•"/>
-              <a:defRPr sz="1800" kern="1200">
-                <a:solidFill>
-                  <a:schemeClr val="tx1"/>
-                </a:solidFill>
-                <a:latin typeface="+mn-lt"/>
-                <a:ea typeface="+mn-ea"/>
-                <a:cs typeface="+mn-cs"/>
-              </a:defRPr>
-            </a:lvl6pPr>
-            <a:lvl7pPr marL="2971800" indent="-228600" algn="l" defTabSz="914400" rtl="0" eaLnBrk="1" latinLnBrk="0" hangingPunct="1">
-              <a:lnSpc>
-                <a:spcPct val="90000"/>
-              </a:lnSpc>
-              <a:spcBef>
-                <a:spcPts val="500"/>
-              </a:spcBef>
-              <a:buFont typeface="Arial" panose="020B0604020202020204" pitchFamily="34" charset="0"/>
-              <a:buChar char="•"/>
-              <a:defRPr sz="1800" kern="1200">
-                <a:solidFill>
-                  <a:schemeClr val="tx1"/>
-                </a:solidFill>
-                <a:latin typeface="+mn-lt"/>
-                <a:ea typeface="+mn-ea"/>
-                <a:cs typeface="+mn-cs"/>
-              </a:defRPr>
-            </a:lvl7pPr>
-            <a:lvl8pPr marL="3429000" indent="-228600" algn="l" defTabSz="914400" rtl="0" eaLnBrk="1" latinLnBrk="0" hangingPunct="1">
-              <a:lnSpc>
-                <a:spcPct val="90000"/>
-              </a:lnSpc>
-              <a:spcBef>
-                <a:spcPts val="500"/>
-              </a:spcBef>
-              <a:buFont typeface="Arial" panose="020B0604020202020204" pitchFamily="34" charset="0"/>
-              <a:buChar char="•"/>
-              <a:defRPr sz="1800" kern="1200">
-                <a:solidFill>
-                  <a:schemeClr val="tx1"/>
-                </a:solidFill>
-                <a:latin typeface="+mn-lt"/>
-                <a:ea typeface="+mn-ea"/>
-                <a:cs typeface="+mn-cs"/>
-              </a:defRPr>
-            </a:lvl8pPr>
-            <a:lvl9pPr marL="3886200" indent="-228600" algn="l" defTabSz="914400" rtl="0" eaLnBrk="1" latinLnBrk="0" hangingPunct="1">
-              <a:lnSpc>
-                <a:spcPct val="90000"/>
-              </a:lnSpc>
-              <a:spcBef>
-                <a:spcPts val="500"/>
-              </a:spcBef>
-              <a:buFont typeface="Arial" panose="020B0604020202020204" pitchFamily="34" charset="0"/>
-              <a:buChar char="•"/>
-              <a:defRPr sz="1800" kern="1200">
-                <a:solidFill>
-                  <a:schemeClr val="tx1"/>
-                </a:solidFill>
-                <a:latin typeface="+mn-lt"/>
-                <a:ea typeface="+mn-ea"/>
-                <a:cs typeface="+mn-cs"/>
-              </a:defRPr>
-            </a:lvl9pPr>
-          </a:lstStyle>
-          <a:p>
-            <a:pPr marL="0" indent="0" algn="just">
-              <a:lnSpc>
-                <a:spcPct val="150000"/>
-              </a:lnSpc>
-              <a:spcBef>
-                <a:spcPts val="750"/>
-              </a:spcBef>
-              <a:buFont typeface="Arial" panose="020B0604020202020204" pitchFamily="34" charset="0"/>
-              <a:buNone/>
-            </a:pPr>
+          <a:lstStyle/>
+          <a:p>
+            <a:r>
+              <a:rPr lang="en-US" sz="2400" dirty="0"/>
+              <a:t>/</a:t>
+            </a:r>
+            <a:r>
+              <a:rPr lang="en-US" sz="2400" dirty="0" err="1"/>
+              <a:t>api</a:t>
+            </a:r>
+            <a:r>
+              <a:rPr lang="en-US" sz="2400" dirty="0"/>
+              <a:t>/sign-up/ [POST]</a:t>
+            </a:r>
+            <a:r>
+              <a:rPr lang="ru-RU" sz="2400" dirty="0"/>
+              <a:t> 403/409/422</a:t>
+            </a:r>
+            <a:endParaRPr lang="en-US" sz="2400" dirty="0"/>
+          </a:p>
+          <a:p>
+            <a:pPr lvl="1"/>
+            <a:r>
+              <a:rPr lang="en-US" sz="2000" dirty="0"/>
+              <a:t>=&gt; {“username”, “password”}</a:t>
+            </a:r>
+          </a:p>
+          <a:p>
+            <a:pPr lvl="1"/>
+            <a:r>
+              <a:rPr lang="en-US" sz="2000" dirty="0"/>
+              <a:t>“</a:t>
+            </a:r>
+            <a:r>
+              <a:rPr lang="ru-RU" sz="2000" dirty="0"/>
+              <a:t>Авторизован…</a:t>
+            </a:r>
+            <a:r>
+              <a:rPr lang="en-US" sz="2000" dirty="0"/>
+              <a:t>” / “</a:t>
+            </a:r>
+            <a:r>
+              <a:rPr lang="ru-RU" sz="2000" dirty="0"/>
+              <a:t>Логин занят…</a:t>
+            </a:r>
+            <a:r>
+              <a:rPr lang="en-US" sz="2000" dirty="0"/>
+              <a:t>” / “</a:t>
+            </a:r>
+            <a:r>
+              <a:rPr lang="ru-RU" sz="2000" dirty="0"/>
+              <a:t>Некорректные данные…</a:t>
+            </a:r>
+            <a:r>
+              <a:rPr lang="en-US" sz="2000" dirty="0"/>
+              <a:t>”</a:t>
+            </a:r>
+          </a:p>
+          <a:p>
+            <a:r>
+              <a:rPr lang="en-US" sz="2400" dirty="0"/>
+              <a:t>/</a:t>
+            </a:r>
+            <a:r>
+              <a:rPr lang="en-US" sz="2400" dirty="0" err="1"/>
+              <a:t>api</a:t>
+            </a:r>
+            <a:r>
+              <a:rPr lang="en-US" sz="2400" dirty="0"/>
+              <a:t>/sign-in/ [GET] 401/403</a:t>
+            </a:r>
+            <a:endParaRPr lang="ru-RU" sz="2400" dirty="0"/>
+          </a:p>
+          <a:p>
+            <a:pPr lvl="1"/>
+            <a:r>
+              <a:rPr lang="en-US" sz="2000" dirty="0"/>
+              <a:t>Request-Header =&gt; Authorization: Basic h5jkts4g…</a:t>
+            </a:r>
+          </a:p>
+          <a:p>
+            <a:pPr lvl="1"/>
+            <a:r>
+              <a:rPr lang="en-US" sz="2000" dirty="0"/>
+              <a:t>“</a:t>
+            </a:r>
+            <a:r>
+              <a:rPr lang="ru-RU" sz="2000" dirty="0"/>
+              <a:t>Неверные данные…</a:t>
+            </a:r>
+            <a:r>
+              <a:rPr lang="en-US" sz="2000" dirty="0"/>
+              <a:t>” / “</a:t>
+            </a:r>
+            <a:r>
+              <a:rPr lang="ru-RU" sz="2000" dirty="0"/>
+              <a:t>Не </a:t>
+            </a:r>
+            <a:r>
+              <a:rPr lang="en-US" sz="2000" dirty="0"/>
+              <a:t>Basic…”</a:t>
+            </a:r>
             <a:endParaRPr lang="ru-RU" sz="2000" dirty="0"/>
           </a:p>
           <a:p>
-            <a:pPr marL="0" indent="0" algn="just">
-              <a:lnSpc>
-                <a:spcPct val="150000"/>
-              </a:lnSpc>
-              <a:spcBef>
-                <a:spcPts val="750"/>
-              </a:spcBef>
-              <a:buFont typeface="Arial" panose="020B0604020202020204" pitchFamily="34" charset="0"/>
-              <a:buNone/>
-            </a:pPr>
+            <a:r>
+              <a:rPr lang="en-US" sz="2400" dirty="0"/>
+              <a:t>/</a:t>
+            </a:r>
+            <a:r>
+              <a:rPr lang="en-US" sz="2400" dirty="0" err="1"/>
+              <a:t>api</a:t>
+            </a:r>
+            <a:r>
+              <a:rPr lang="en-US" sz="2400" dirty="0"/>
+              <a:t>/contacts/ [GET] 401</a:t>
+            </a:r>
+          </a:p>
+          <a:p>
+            <a:pPr lvl="1"/>
+            <a:r>
+              <a:rPr lang="en-US" sz="2000" dirty="0"/>
+              <a:t>“contacts”: [{“</a:t>
+            </a:r>
+            <a:r>
+              <a:rPr lang="en-US" sz="2000" dirty="0" err="1"/>
+              <a:t>user_id</a:t>
+            </a:r>
+            <a:r>
+              <a:rPr lang="en-US" sz="2000" dirty="0"/>
+              <a:t>”: 1, “login”: “Ilya”, …},</a:t>
+            </a:r>
+            <a:r>
+              <a:rPr lang="ru-RU" sz="2000" dirty="0"/>
+              <a:t>…</a:t>
+            </a:r>
+            <a:r>
+              <a:rPr lang="en-US" sz="2000" dirty="0"/>
+              <a:t> ]}</a:t>
+            </a:r>
+          </a:p>
+          <a:p>
+            <a:pPr lvl="1"/>
+            <a:r>
+              <a:rPr lang="en-US" sz="2000" dirty="0"/>
+              <a:t>“</a:t>
+            </a:r>
+            <a:r>
+              <a:rPr lang="ru-RU" sz="2000" dirty="0"/>
+              <a:t>Не авторизован</a:t>
+            </a:r>
+            <a:r>
+              <a:rPr lang="en-US" sz="2000" dirty="0"/>
+              <a:t>”</a:t>
+            </a:r>
             <a:endParaRPr lang="ru-RU" sz="2000" dirty="0"/>
           </a:p>
           <a:p>
-            <a:pPr marL="0" indent="0" algn="just">
-              <a:lnSpc>
-                <a:spcPct val="150000"/>
-              </a:lnSpc>
-              <a:spcBef>
-                <a:spcPts val="750"/>
-              </a:spcBef>
-              <a:buFont typeface="Arial" panose="020B0604020202020204" pitchFamily="34" charset="0"/>
-              <a:buNone/>
-            </a:pPr>
-            <a:endParaRPr lang="ru-RU" sz="1800" dirty="0"/>
+            <a:r>
+              <a:rPr lang="en-US" sz="2400" dirty="0"/>
+              <a:t>/</a:t>
+            </a:r>
+            <a:r>
+              <a:rPr lang="en-US" sz="2400" dirty="0" err="1"/>
+              <a:t>api</a:t>
+            </a:r>
+            <a:r>
+              <a:rPr lang="en-US" sz="2400" dirty="0"/>
+              <a:t>/contacts/ [POST] 405/404</a:t>
+            </a:r>
+            <a:endParaRPr lang="ru-RU" sz="2400" dirty="0"/>
+          </a:p>
+          <a:p>
+            <a:pPr lvl="1"/>
+            <a:r>
+              <a:rPr lang="en-US" sz="2000" dirty="0"/>
+              <a:t>=&gt; “</a:t>
+            </a:r>
+            <a:r>
+              <a:rPr lang="en-US" sz="2000" dirty="0" err="1"/>
+              <a:t>user_id</a:t>
+            </a:r>
+            <a:r>
+              <a:rPr lang="en-US" sz="2000" dirty="0"/>
+              <a:t>”</a:t>
+            </a:r>
+          </a:p>
+          <a:p>
+            <a:pPr lvl="1"/>
+            <a:r>
+              <a:rPr lang="en-US" sz="2000" dirty="0"/>
+              <a:t>“</a:t>
+            </a:r>
+            <a:r>
+              <a:rPr lang="ru-RU" sz="2000" dirty="0"/>
+              <a:t>Добавление себя…</a:t>
+            </a:r>
+            <a:r>
+              <a:rPr lang="en-US" sz="2000" dirty="0"/>
+              <a:t>” / “</a:t>
+            </a:r>
+            <a:r>
+              <a:rPr lang="ru-RU" sz="2000" dirty="0"/>
+              <a:t>Не найден пользователь...</a:t>
+            </a:r>
+            <a:r>
+              <a:rPr lang="en-US" sz="2000" dirty="0"/>
+              <a:t>”</a:t>
+            </a:r>
+          </a:p>
+          <a:p>
+            <a:r>
+              <a:rPr lang="en-US" sz="2400" dirty="0"/>
+              <a:t>/</a:t>
+            </a:r>
+            <a:r>
+              <a:rPr lang="en-US" sz="2400" dirty="0" err="1"/>
+              <a:t>api</a:t>
+            </a:r>
+            <a:r>
+              <a:rPr lang="en-US" sz="2400" dirty="0"/>
+              <a:t>/contacts/&lt;</a:t>
+            </a:r>
+            <a:r>
+              <a:rPr lang="en-US" sz="2400" dirty="0" err="1"/>
+              <a:t>user_id</a:t>
+            </a:r>
+            <a:r>
+              <a:rPr lang="en-US" sz="2400" dirty="0"/>
+              <a:t>&gt; [DELETE] 404</a:t>
+            </a:r>
+            <a:endParaRPr lang="ru-RU" sz="2400" dirty="0"/>
+          </a:p>
+          <a:p>
+            <a:pPr lvl="1"/>
+            <a:r>
+              <a:rPr lang="en-US" sz="2000" dirty="0"/>
+              <a:t>“</a:t>
+            </a:r>
+            <a:r>
+              <a:rPr lang="ru-RU" sz="2000" dirty="0"/>
+              <a:t>Не найден пользователь...</a:t>
+            </a:r>
+            <a:r>
+              <a:rPr lang="en-US" sz="2000" dirty="0"/>
+              <a:t>”</a:t>
+            </a:r>
+            <a:endParaRPr lang="ru-RU" sz="2000" dirty="0"/>
           </a:p>
         </p:txBody>
       </p:sp>
     </p:spTree>
     <p:extLst>
       <p:ext uri="{BB962C8B-B14F-4D97-AF65-F5344CB8AC3E}">
-        <p14:creationId xmlns:p14="http://schemas.microsoft.com/office/powerpoint/2010/main" val="731141142"/>
+        <p14:creationId xmlns:p14="http://schemas.microsoft.com/office/powerpoint/2010/main" val="4238926848"/>
       </p:ext>
     </p:extLst>
   </p:cSld>
@@ -4042,10 +4052,589 @@
       </p:grpSpPr>
       <p:sp>
         <p:nvSpPr>
+          <p:cNvPr id="2" name="Заголовок 1">
+            <a:extLst>
+              <a:ext uri="{FF2B5EF4-FFF2-40B4-BE49-F238E27FC236}">
+                <a16:creationId xmlns:a16="http://schemas.microsoft.com/office/drawing/2014/main" id="{91A003FC-D204-40BC-96B4-59B57428F86A}"/>
+              </a:ext>
+            </a:extLst>
+          </p:cNvPr>
+          <p:cNvSpPr>
+            <a:spLocks noGrp="1"/>
+          </p:cNvSpPr>
+          <p:nvPr>
+            <p:ph type="title"/>
+          </p:nvPr>
+        </p:nvSpPr>
+        <p:spPr/>
+        <p:txBody>
+          <a:bodyPr/>
+          <a:lstStyle/>
+          <a:p>
+            <a:r>
+              <a:rPr lang="ru-RU" dirty="0"/>
+              <a:t>Описание сервера</a:t>
+            </a:r>
+          </a:p>
+        </p:txBody>
+      </p:sp>
+      <p:sp>
+        <p:nvSpPr>
+          <p:cNvPr id="3" name="Объект 2">
+            <a:extLst>
+              <a:ext uri="{FF2B5EF4-FFF2-40B4-BE49-F238E27FC236}">
+                <a16:creationId xmlns:a16="http://schemas.microsoft.com/office/drawing/2014/main" id="{63EDF65E-601A-470A-89D2-FB13D7A1C42D}"/>
+              </a:ext>
+            </a:extLst>
+          </p:cNvPr>
+          <p:cNvSpPr>
+            <a:spLocks noGrp="1"/>
+          </p:cNvSpPr>
+          <p:nvPr>
+            <p:ph idx="1"/>
+          </p:nvPr>
+        </p:nvSpPr>
+        <p:spPr>
+          <a:xfrm>
+            <a:off x="1" y="1579419"/>
+            <a:ext cx="9144000" cy="5278582"/>
+          </a:xfrm>
+        </p:spPr>
+        <p:txBody>
+          <a:bodyPr>
+            <a:normAutofit/>
+          </a:bodyPr>
+          <a:lstStyle/>
+          <a:p>
+            <a:r>
+              <a:rPr lang="en-US" sz="2400" dirty="0"/>
+              <a:t>/</a:t>
+            </a:r>
+            <a:r>
+              <a:rPr lang="en-US" sz="2400" dirty="0" err="1"/>
+              <a:t>api</a:t>
+            </a:r>
+            <a:r>
+              <a:rPr lang="en-US" sz="2400" dirty="0"/>
+              <a:t>/messages/ [POST]</a:t>
+            </a:r>
+            <a:r>
+              <a:rPr lang="ru-RU" sz="2400" dirty="0"/>
+              <a:t> 422 / 404</a:t>
+            </a:r>
+          </a:p>
+          <a:p>
+            <a:pPr lvl="1"/>
+            <a:r>
+              <a:rPr lang="en-US" sz="2000" dirty="0"/>
+              <a:t>=&gt; {“</a:t>
+            </a:r>
+            <a:r>
+              <a:rPr lang="en-US" sz="2000" dirty="0" err="1"/>
+              <a:t>recipient_id</a:t>
+            </a:r>
+            <a:r>
+              <a:rPr lang="en-US" sz="2000" dirty="0"/>
+              <a:t>”, “text”, date}</a:t>
+            </a:r>
+          </a:p>
+          <a:p>
+            <a:pPr lvl="1"/>
+            <a:r>
+              <a:rPr lang="en-US" sz="2000" dirty="0"/>
+              <a:t>“</a:t>
+            </a:r>
+            <a:r>
+              <a:rPr lang="ru-RU" sz="2000" dirty="0"/>
+              <a:t>Добавление себя…</a:t>
+            </a:r>
+            <a:r>
+              <a:rPr lang="en-US" sz="2000" dirty="0"/>
+              <a:t>”</a:t>
+            </a:r>
+            <a:r>
+              <a:rPr lang="ru-RU" sz="2000" dirty="0"/>
+              <a:t> / </a:t>
+            </a:r>
+            <a:r>
+              <a:rPr lang="en-US" sz="2000" dirty="0"/>
+              <a:t>“</a:t>
+            </a:r>
+            <a:r>
+              <a:rPr lang="ru-RU" sz="2000" dirty="0"/>
+              <a:t>Не найден...</a:t>
+            </a:r>
+            <a:r>
+              <a:rPr lang="en-US" sz="2000" dirty="0"/>
+              <a:t>”</a:t>
+            </a:r>
+          </a:p>
+          <a:p>
+            <a:r>
+              <a:rPr lang="en-US" sz="2400" dirty="0"/>
+              <a:t>/</a:t>
+            </a:r>
+            <a:r>
+              <a:rPr lang="en-US" sz="2400" dirty="0" err="1"/>
+              <a:t>api</a:t>
+            </a:r>
+            <a:r>
+              <a:rPr lang="en-US" sz="2400" dirty="0"/>
+              <a:t>/messages/ [GET]</a:t>
+            </a:r>
+            <a:endParaRPr lang="ru-RU" sz="2400" dirty="0"/>
+          </a:p>
+          <a:p>
+            <a:pPr lvl="1"/>
+            <a:r>
+              <a:rPr lang="en-US" sz="2000" dirty="0"/>
+              <a:t>“messages”: [{“</a:t>
+            </a:r>
+            <a:r>
+              <a:rPr lang="en-US" sz="2000" dirty="0" err="1"/>
+              <a:t>owner_id</a:t>
+            </a:r>
+            <a:r>
+              <a:rPr lang="en-US" sz="2000" dirty="0"/>
+              <a:t>”, “</a:t>
+            </a:r>
+            <a:r>
+              <a:rPr lang="en-US" sz="2000" dirty="0" err="1"/>
+              <a:t>recipient_id</a:t>
+            </a:r>
+            <a:r>
+              <a:rPr lang="en-US" sz="2000" dirty="0"/>
+              <a:t>”, text}, …]</a:t>
+            </a:r>
+          </a:p>
+          <a:p>
+            <a:r>
+              <a:rPr lang="en-US" sz="2400" dirty="0"/>
+              <a:t>/</a:t>
+            </a:r>
+            <a:r>
+              <a:rPr lang="en-US" sz="2400" dirty="0" err="1"/>
+              <a:t>api</a:t>
+            </a:r>
+            <a:r>
+              <a:rPr lang="en-US" sz="2400" dirty="0"/>
+              <a:t>/messages/history/&lt;</a:t>
+            </a:r>
+            <a:r>
+              <a:rPr lang="en-US" sz="2400" dirty="0" err="1"/>
+              <a:t>user_id</a:t>
+            </a:r>
+            <a:r>
+              <a:rPr lang="en-US" sz="2400" dirty="0"/>
+              <a:t>&gt; [GET] 404</a:t>
+            </a:r>
+            <a:endParaRPr lang="ru-RU" sz="2400" dirty="0"/>
+          </a:p>
+          <a:p>
+            <a:pPr lvl="1"/>
+            <a:r>
+              <a:rPr lang="en-US" sz="2000" dirty="0"/>
+              <a:t>“messages”: [{…}, …]</a:t>
+            </a:r>
+            <a:r>
+              <a:rPr lang="ru-RU" sz="2000" dirty="0"/>
+              <a:t> </a:t>
+            </a:r>
+            <a:endParaRPr lang="en-US" sz="2000" dirty="0"/>
+          </a:p>
+          <a:p>
+            <a:pPr lvl="1"/>
+            <a:r>
+              <a:rPr lang="en-US" sz="2000" dirty="0"/>
+              <a:t>“</a:t>
+            </a:r>
+            <a:r>
+              <a:rPr lang="ru-RU" sz="2000" dirty="0"/>
+              <a:t>Не найден</a:t>
+            </a:r>
+            <a:r>
+              <a:rPr lang="en-US" sz="2000" dirty="0"/>
+              <a:t> </a:t>
+            </a:r>
+            <a:r>
+              <a:rPr lang="ru-RU" sz="2000" dirty="0"/>
+              <a:t>пользователь…</a:t>
+            </a:r>
+            <a:r>
+              <a:rPr lang="en-US" sz="2000" dirty="0"/>
+              <a:t>”</a:t>
+            </a:r>
+          </a:p>
+          <a:p>
+            <a:r>
+              <a:rPr lang="en-US" sz="2400" dirty="0"/>
+              <a:t>/</a:t>
+            </a:r>
+            <a:r>
+              <a:rPr lang="en-US" sz="2400" dirty="0" err="1"/>
+              <a:t>api</a:t>
+            </a:r>
+            <a:r>
+              <a:rPr lang="en-US" sz="2400" dirty="0"/>
+              <a:t>/user/ [GET]</a:t>
+            </a:r>
+            <a:endParaRPr lang="ru-RU" sz="2400" dirty="0"/>
+          </a:p>
+          <a:p>
+            <a:pPr lvl="1"/>
+            <a:r>
+              <a:rPr lang="en-US" sz="2000" dirty="0"/>
+              <a:t>{“</a:t>
+            </a:r>
+            <a:r>
+              <a:rPr lang="en-US" sz="2000" dirty="0" err="1"/>
+              <a:t>user_id</a:t>
+            </a:r>
+            <a:r>
+              <a:rPr lang="en-US" sz="2000" dirty="0"/>
+              <a:t>”: 1, “login”: “Ilya”, “username”: “</a:t>
+            </a:r>
+            <a:r>
+              <a:rPr lang="en-US" sz="2000" dirty="0" err="1"/>
+              <a:t>Krutoi</a:t>
+            </a:r>
+            <a:r>
+              <a:rPr lang="en-US" sz="2000" dirty="0"/>
+              <a:t>”, …}</a:t>
+            </a:r>
+          </a:p>
+          <a:p>
+            <a:r>
+              <a:rPr lang="en-US" sz="2400" dirty="0"/>
+              <a:t>/</a:t>
+            </a:r>
+            <a:r>
+              <a:rPr lang="en-US" sz="2400" dirty="0" err="1"/>
+              <a:t>api</a:t>
+            </a:r>
+            <a:r>
+              <a:rPr lang="en-US" sz="2400" dirty="0"/>
+              <a:t>/user/ [POST] 409, 422</a:t>
+            </a:r>
+          </a:p>
+          <a:p>
+            <a:pPr lvl="1"/>
+            <a:r>
+              <a:rPr lang="en-US" sz="2000" dirty="0"/>
+              <a:t>=&gt; {“login”?: “…”, “username”?: “…”, …}</a:t>
+            </a:r>
+          </a:p>
+          <a:p>
+            <a:pPr lvl="1"/>
+            <a:r>
+              <a:rPr lang="en-US" sz="2000" dirty="0"/>
+              <a:t>“</a:t>
+            </a:r>
+            <a:r>
+              <a:rPr lang="ru-RU" sz="2000" dirty="0"/>
+              <a:t>Логин занят…</a:t>
+            </a:r>
+            <a:r>
+              <a:rPr lang="en-US" sz="2000" dirty="0"/>
+              <a:t>” / “</a:t>
+            </a:r>
+            <a:r>
+              <a:rPr lang="ru-RU" sz="2000" dirty="0"/>
+              <a:t>Неверные данные…</a:t>
+            </a:r>
+            <a:r>
+              <a:rPr lang="en-US" sz="2000" dirty="0"/>
+              <a:t>”</a:t>
+            </a:r>
+          </a:p>
+          <a:p>
+            <a:pPr lvl="1"/>
+            <a:endParaRPr lang="en-US" sz="2000" dirty="0"/>
+          </a:p>
+          <a:p>
+            <a:endParaRPr lang="ru-RU" sz="2700" dirty="0"/>
+          </a:p>
+          <a:p>
+            <a:endParaRPr lang="en-US" dirty="0"/>
+          </a:p>
+        </p:txBody>
+      </p:sp>
+    </p:spTree>
+    <p:extLst>
+      <p:ext uri="{BB962C8B-B14F-4D97-AF65-F5344CB8AC3E}">
+        <p14:creationId xmlns:p14="http://schemas.microsoft.com/office/powerpoint/2010/main" val="1209575959"/>
+      </p:ext>
+    </p:extLst>
+  </p:cSld>
+  <p:clrMapOvr>
+    <a:masterClrMapping/>
+  </p:clrMapOvr>
+</p:sld>
+</file>
+
+<file path=ppt/slides/slide13.xml><?xml version="1.0" encoding="utf-8"?>
+<p:sld xmlns:a="http://schemas.openxmlformats.org/drawingml/2006/main" xmlns:r="http://schemas.openxmlformats.org/officeDocument/2006/relationships" xmlns:p="http://schemas.openxmlformats.org/presentationml/2006/main">
+  <p:cSld>
+    <p:spTree>
+      <p:nvGrpSpPr>
+        <p:cNvPr id="1" name=""/>
+        <p:cNvGrpSpPr/>
+        <p:nvPr/>
+      </p:nvGrpSpPr>
+      <p:grpSpPr>
+        <a:xfrm>
+          <a:off x="0" y="0"/>
+          <a:ext cx="0" cy="0"/>
+          <a:chOff x="0" y="0"/>
+          <a:chExt cx="0" cy="0"/>
+        </a:xfrm>
+      </p:grpSpPr>
+      <p:sp>
+        <p:nvSpPr>
+          <p:cNvPr id="2" name="Заголовок 1">
+            <a:extLst>
+              <a:ext uri="{FF2B5EF4-FFF2-40B4-BE49-F238E27FC236}">
+                <a16:creationId xmlns:a16="http://schemas.microsoft.com/office/drawing/2014/main" id="{91A003FC-D204-40BC-96B4-59B57428F86A}"/>
+              </a:ext>
+            </a:extLst>
+          </p:cNvPr>
+          <p:cNvSpPr>
+            <a:spLocks noGrp="1"/>
+          </p:cNvSpPr>
+          <p:nvPr>
+            <p:ph type="title"/>
+          </p:nvPr>
+        </p:nvSpPr>
+        <p:spPr/>
+        <p:txBody>
+          <a:bodyPr>
+            <a:normAutofit/>
+          </a:bodyPr>
+          <a:lstStyle/>
+          <a:p>
+            <a:r>
+              <a:rPr lang="ru-RU" dirty="0"/>
+              <a:t>Описание сервера</a:t>
+            </a:r>
+            <a:r>
+              <a:rPr lang="en-US" dirty="0"/>
+              <a:t>. </a:t>
+            </a:r>
+            <a:endParaRPr lang="ru-RU" dirty="0"/>
+          </a:p>
+        </p:txBody>
+      </p:sp>
+      <p:sp>
+        <p:nvSpPr>
+          <p:cNvPr id="3" name="Объект 2">
+            <a:extLst>
+              <a:ext uri="{FF2B5EF4-FFF2-40B4-BE49-F238E27FC236}">
+                <a16:creationId xmlns:a16="http://schemas.microsoft.com/office/drawing/2014/main" id="{63EDF65E-601A-470A-89D2-FB13D7A1C42D}"/>
+              </a:ext>
+            </a:extLst>
+          </p:cNvPr>
+          <p:cNvSpPr>
+            <a:spLocks noGrp="1"/>
+          </p:cNvSpPr>
+          <p:nvPr>
+            <p:ph idx="1"/>
+          </p:nvPr>
+        </p:nvSpPr>
+        <p:spPr>
+          <a:xfrm>
+            <a:off x="290945" y="1825624"/>
+            <a:ext cx="8853055" cy="5032376"/>
+          </a:xfrm>
+        </p:spPr>
+        <p:txBody>
+          <a:bodyPr>
+            <a:normAutofit/>
+          </a:bodyPr>
+          <a:lstStyle/>
+          <a:p>
+            <a:r>
+              <a:rPr lang="en-US" sz="2400" dirty="0"/>
+              <a:t>/</a:t>
+            </a:r>
+            <a:r>
+              <a:rPr lang="en-US" sz="2400" dirty="0" err="1"/>
+              <a:t>api</a:t>
+            </a:r>
+            <a:r>
+              <a:rPr lang="en-US" sz="2400" dirty="0"/>
+              <a:t>/users/search/&lt;query&gt; [GET]</a:t>
+            </a:r>
+          </a:p>
+          <a:p>
+            <a:pPr marL="0" indent="0">
+              <a:buNone/>
+            </a:pPr>
+            <a:r>
+              <a:rPr lang="en-US" sz="2000" dirty="0"/>
+              <a:t>     query = “792456”</a:t>
+            </a:r>
+          </a:p>
+          <a:p>
+            <a:pPr lvl="1"/>
+            <a:r>
+              <a:rPr lang="en-US" sz="2000" dirty="0"/>
+              <a:t>“users”: [</a:t>
+            </a:r>
+          </a:p>
+          <a:p>
+            <a:pPr marL="457200" lvl="1" indent="0">
+              <a:buNone/>
+            </a:pPr>
+            <a:r>
+              <a:rPr lang="en-US" sz="2000" dirty="0"/>
+              <a:t>	       {“</a:t>
+            </a:r>
+            <a:r>
+              <a:rPr lang="en-US" sz="2000" dirty="0" err="1"/>
+              <a:t>user_id</a:t>
+            </a:r>
+            <a:r>
+              <a:rPr lang="en-US" sz="2000" dirty="0"/>
+              <a:t>”: 1, </a:t>
+            </a:r>
+            <a:r>
+              <a:rPr lang="en-US" sz="2000" dirty="0" err="1"/>
+              <a:t>phone_number</a:t>
+            </a:r>
+            <a:r>
+              <a:rPr lang="en-US" sz="2000" dirty="0"/>
+              <a:t>: “+</a:t>
+            </a:r>
+            <a:r>
+              <a:rPr lang="en-US" sz="2000" b="1" dirty="0"/>
+              <a:t>7</a:t>
+            </a:r>
+            <a:r>
+              <a:rPr lang="en-US" sz="2000" dirty="0"/>
+              <a:t>-</a:t>
+            </a:r>
+            <a:r>
+              <a:rPr lang="en-US" sz="2000" b="1" dirty="0"/>
+              <a:t>924</a:t>
+            </a:r>
+            <a:r>
+              <a:rPr lang="en-US" sz="2000" dirty="0"/>
+              <a:t>-</a:t>
+            </a:r>
+            <a:r>
+              <a:rPr lang="en-US" sz="2000" b="1" dirty="0"/>
+              <a:t>56</a:t>
+            </a:r>
+            <a:r>
+              <a:rPr lang="en-US" sz="2000" dirty="0"/>
+              <a:t>10000”, …}</a:t>
+            </a:r>
+          </a:p>
+          <a:p>
+            <a:pPr marL="457200" lvl="1" indent="0">
+              <a:buNone/>
+            </a:pPr>
+            <a:r>
+              <a:rPr lang="en-US" sz="2000" dirty="0"/>
+              <a:t>	       {“</a:t>
+            </a:r>
+            <a:r>
+              <a:rPr lang="en-US" sz="2000" dirty="0" err="1"/>
+              <a:t>user_id</a:t>
+            </a:r>
+            <a:r>
+              <a:rPr lang="en-US" sz="2000" dirty="0"/>
+              <a:t>”: 2, </a:t>
+            </a:r>
+            <a:r>
+              <a:rPr lang="en-US" sz="2000" dirty="0" err="1"/>
+              <a:t>phone_number</a:t>
+            </a:r>
+            <a:r>
+              <a:rPr lang="en-US" sz="2000" dirty="0"/>
+              <a:t>: “+</a:t>
+            </a:r>
+            <a:r>
+              <a:rPr lang="en-US" sz="2000" b="1" dirty="0"/>
+              <a:t>7</a:t>
+            </a:r>
+            <a:r>
+              <a:rPr lang="en-US" sz="2000" dirty="0"/>
+              <a:t>-</a:t>
+            </a:r>
+            <a:r>
+              <a:rPr lang="en-US" sz="2000" b="1" dirty="0"/>
+              <a:t>924</a:t>
+            </a:r>
+            <a:r>
+              <a:rPr lang="en-US" sz="2000" dirty="0"/>
+              <a:t>-</a:t>
+            </a:r>
+            <a:r>
+              <a:rPr lang="en-US" sz="2000" b="1" dirty="0"/>
+              <a:t>56</a:t>
+            </a:r>
+            <a:r>
+              <a:rPr lang="en-US" sz="2000" dirty="0"/>
+              <a:t>25234”, …},</a:t>
+            </a:r>
+          </a:p>
+          <a:p>
+            <a:pPr marL="457200" lvl="1" indent="0">
+              <a:buNone/>
+            </a:pPr>
+            <a:r>
+              <a:rPr lang="en-US" sz="2000" dirty="0"/>
+              <a:t>	       …</a:t>
+            </a:r>
+          </a:p>
+          <a:p>
+            <a:pPr marL="457200" lvl="1" indent="0">
+              <a:buNone/>
+            </a:pPr>
+            <a:r>
+              <a:rPr lang="en-US" sz="2000" dirty="0"/>
+              <a:t>]}</a:t>
+            </a:r>
+          </a:p>
+        </p:txBody>
+      </p:sp>
+    </p:spTree>
+    <p:extLst>
+      <p:ext uri="{BB962C8B-B14F-4D97-AF65-F5344CB8AC3E}">
+        <p14:creationId xmlns:p14="http://schemas.microsoft.com/office/powerpoint/2010/main" val="1602377560"/>
+      </p:ext>
+    </p:extLst>
+  </p:cSld>
+  <p:clrMapOvr>
+    <a:masterClrMapping/>
+  </p:clrMapOvr>
+</p:sld>
+</file>
+
+<file path=ppt/slides/slide14.xml><?xml version="1.0" encoding="utf-8"?>
+<p:sld xmlns:a="http://schemas.openxmlformats.org/drawingml/2006/main" xmlns:r="http://schemas.openxmlformats.org/officeDocument/2006/relationships" xmlns:p="http://schemas.openxmlformats.org/presentationml/2006/main">
+  <p:cSld>
+    <p:spTree>
+      <p:nvGrpSpPr>
+        <p:cNvPr id="1" name=""/>
+        <p:cNvGrpSpPr/>
+        <p:nvPr/>
+      </p:nvGrpSpPr>
+      <p:grpSpPr>
+        <a:xfrm>
+          <a:off x="0" y="0"/>
+          <a:ext cx="0" cy="0"/>
+          <a:chOff x="0" y="0"/>
+          <a:chExt cx="0" cy="0"/>
+        </a:xfrm>
+      </p:grpSpPr>
+      <p:sp>
+        <p:nvSpPr>
           <p:cNvPr id="4" name="Google Shape;168;p3">
             <a:extLst>
               <a:ext uri="{FF2B5EF4-FFF2-40B4-BE49-F238E27FC236}">
-                <a16:creationId xmlns:a16="http://schemas.microsoft.com/office/drawing/2014/main" id="{011C43EA-BC97-4BF5-896A-2733951680A2}"/>
+                <a16:creationId xmlns:a16="http://schemas.microsoft.com/office/drawing/2014/main" id="{2539D7DA-C664-410B-9FE1-CCD1A0CA28E5}"/>
               </a:ext>
             </a:extLst>
           </p:cNvPr>
@@ -4099,7 +4688,7 @@
                 <a:cs typeface="Arial"/>
                 <a:sym typeface="Arial"/>
               </a:rPr>
-              <a:t>Заключение</a:t>
+              <a:t>Интерфейс приложения</a:t>
             </a:r>
             <a:endParaRPr dirty="0">
               <a:latin typeface="Arial"/>
@@ -4110,12 +4699,702 @@
           </a:p>
         </p:txBody>
       </p:sp>
-      <p:sp>
-        <p:nvSpPr>
-          <p:cNvPr id="5" name="Google Shape;169;p3">
+      <p:pic>
+        <p:nvPicPr>
+          <p:cNvPr id="7" name="Рисунок 6">
             <a:extLst>
               <a:ext uri="{FF2B5EF4-FFF2-40B4-BE49-F238E27FC236}">
-                <a16:creationId xmlns:a16="http://schemas.microsoft.com/office/drawing/2014/main" id="{E22401E4-26CA-4439-A5B5-32E3B23EAAC8}"/>
+                <a16:creationId xmlns:a16="http://schemas.microsoft.com/office/drawing/2014/main" id="{E89B22FF-3D39-408B-B833-8B7842EEE4D7}"/>
+              </a:ext>
+            </a:extLst>
+          </p:cNvPr>
+          <p:cNvPicPr>
+            <a:picLocks noChangeAspect="1"/>
+          </p:cNvPicPr>
+          <p:nvPr/>
+        </p:nvPicPr>
+        <p:blipFill>
+          <a:blip r:embed="rId2">
+            <a:extLst>
+              <a:ext uri="{28A0092B-C50C-407E-A947-70E740481C1C}">
+                <a14:useLocalDpi xmlns:a14="http://schemas.microsoft.com/office/drawing/2010/main" val="0"/>
+              </a:ext>
+            </a:extLst>
+          </a:blip>
+          <a:srcRect/>
+          <a:stretch>
+            <a:fillRect/>
+          </a:stretch>
+        </p:blipFill>
+        <p:spPr bwMode="auto">
+          <a:xfrm>
+            <a:off x="628649" y="2094865"/>
+            <a:ext cx="3082395" cy="3724044"/>
+          </a:xfrm>
+          <a:prstGeom prst="rect">
+            <a:avLst/>
+          </a:prstGeom>
+          <a:noFill/>
+          <a:ln>
+            <a:noFill/>
+          </a:ln>
+        </p:spPr>
+      </p:pic>
+      <p:pic>
+        <p:nvPicPr>
+          <p:cNvPr id="8" name="Рисунок 7">
+            <a:extLst>
+              <a:ext uri="{FF2B5EF4-FFF2-40B4-BE49-F238E27FC236}">
+                <a16:creationId xmlns:a16="http://schemas.microsoft.com/office/drawing/2014/main" id="{89E566E5-77EB-4B86-B52F-A75A623ED7FC}"/>
+              </a:ext>
+            </a:extLst>
+          </p:cNvPr>
+          <p:cNvPicPr>
+            <a:picLocks noChangeAspect="1"/>
+          </p:cNvPicPr>
+          <p:nvPr/>
+        </p:nvPicPr>
+        <p:blipFill>
+          <a:blip r:embed="rId3">
+            <a:extLst>
+              <a:ext uri="{28A0092B-C50C-407E-A947-70E740481C1C}">
+                <a14:useLocalDpi xmlns:a14="http://schemas.microsoft.com/office/drawing/2010/main" val="0"/>
+              </a:ext>
+            </a:extLst>
+          </a:blip>
+          <a:srcRect/>
+          <a:stretch>
+            <a:fillRect/>
+          </a:stretch>
+        </p:blipFill>
+        <p:spPr bwMode="auto">
+          <a:xfrm>
+            <a:off x="5432957" y="2094865"/>
+            <a:ext cx="3082394" cy="3718552"/>
+          </a:xfrm>
+          <a:prstGeom prst="rect">
+            <a:avLst/>
+          </a:prstGeom>
+          <a:noFill/>
+          <a:ln>
+            <a:noFill/>
+          </a:ln>
+        </p:spPr>
+      </p:pic>
+    </p:spTree>
+    <p:extLst>
+      <p:ext uri="{BB962C8B-B14F-4D97-AF65-F5344CB8AC3E}">
+        <p14:creationId xmlns:p14="http://schemas.microsoft.com/office/powerpoint/2010/main" val="731141142"/>
+      </p:ext>
+    </p:extLst>
+  </p:cSld>
+  <p:clrMapOvr>
+    <a:masterClrMapping/>
+  </p:clrMapOvr>
+</p:sld>
+</file>
+
+<file path=ppt/slides/slide15.xml><?xml version="1.0" encoding="utf-8"?>
+<p:sld xmlns:a="http://schemas.openxmlformats.org/drawingml/2006/main" xmlns:r="http://schemas.openxmlformats.org/officeDocument/2006/relationships" xmlns:p="http://schemas.openxmlformats.org/presentationml/2006/main">
+  <p:cSld>
+    <p:spTree>
+      <p:nvGrpSpPr>
+        <p:cNvPr id="1" name=""/>
+        <p:cNvGrpSpPr/>
+        <p:nvPr/>
+      </p:nvGrpSpPr>
+      <p:grpSpPr>
+        <a:xfrm>
+          <a:off x="0" y="0"/>
+          <a:ext cx="0" cy="0"/>
+          <a:chOff x="0" y="0"/>
+          <a:chExt cx="0" cy="0"/>
+        </a:xfrm>
+      </p:grpSpPr>
+      <p:sp>
+        <p:nvSpPr>
+          <p:cNvPr id="4" name="Google Shape;168;p3">
+            <a:extLst>
+              <a:ext uri="{FF2B5EF4-FFF2-40B4-BE49-F238E27FC236}">
+                <a16:creationId xmlns:a16="http://schemas.microsoft.com/office/drawing/2014/main" id="{2539D7DA-C664-410B-9FE1-CCD1A0CA28E5}"/>
+              </a:ext>
+            </a:extLst>
+          </p:cNvPr>
+          <p:cNvSpPr txBox="1">
+            <a:spLocks noGrp="1"/>
+          </p:cNvSpPr>
+          <p:nvPr>
+            <p:ph type="title"/>
+          </p:nvPr>
+        </p:nvSpPr>
+        <p:spPr>
+          <a:xfrm>
+            <a:off x="628650" y="365126"/>
+            <a:ext cx="7886700" cy="1325563"/>
+          </a:xfrm>
+          <a:prstGeom prst="rect">
+            <a:avLst/>
+          </a:prstGeom>
+          <a:noFill/>
+          <a:ln>
+            <a:noFill/>
+          </a:ln>
+        </p:spPr>
+        <p:txBody>
+          <a:bodyPr spcFirstLastPara="1" wrap="square" lIns="91425" tIns="45700" rIns="91425" bIns="45700" anchor="ctr" anchorCtr="0">
+            <a:normAutofit/>
+          </a:bodyPr>
+          <a:lstStyle/>
+          <a:p>
+            <a:pPr marL="0" lvl="0" indent="0" algn="l" rtl="0">
+              <a:lnSpc>
+                <a:spcPct val="90000"/>
+              </a:lnSpc>
+              <a:spcBef>
+                <a:spcPts val="0"/>
+              </a:spcBef>
+              <a:spcAft>
+                <a:spcPts val="0"/>
+              </a:spcAft>
+              <a:buClr>
+                <a:schemeClr val="dk1"/>
+              </a:buClr>
+              <a:buSzPts val="3300"/>
+              <a:buFont typeface="Play"/>
+              <a:buNone/>
+            </a:pPr>
+            <a:r>
+              <a:rPr lang="ru-RU" dirty="0">
+                <a:latin typeface="Arial"/>
+                <a:ea typeface="Arial"/>
+                <a:cs typeface="Arial"/>
+                <a:sym typeface="Arial"/>
+              </a:rPr>
+              <a:t>Интерфейс приложения</a:t>
+            </a:r>
+            <a:endParaRPr dirty="0">
+              <a:latin typeface="Arial"/>
+              <a:ea typeface="Arial"/>
+              <a:cs typeface="Arial"/>
+              <a:sym typeface="Arial"/>
+            </a:endParaRPr>
+          </a:p>
+        </p:txBody>
+      </p:sp>
+      <p:pic>
+        <p:nvPicPr>
+          <p:cNvPr id="9" name="Рисунок 8">
+            <a:extLst>
+              <a:ext uri="{FF2B5EF4-FFF2-40B4-BE49-F238E27FC236}">
+                <a16:creationId xmlns:a16="http://schemas.microsoft.com/office/drawing/2014/main" id="{E0E06E4F-F327-45DC-943A-9FB46C88125D}"/>
+              </a:ext>
+            </a:extLst>
+          </p:cNvPr>
+          <p:cNvPicPr>
+            <a:picLocks noChangeAspect="1"/>
+          </p:cNvPicPr>
+          <p:nvPr/>
+        </p:nvPicPr>
+        <p:blipFill>
+          <a:blip r:embed="rId2" cstate="print">
+            <a:extLst>
+              <a:ext uri="{28A0092B-C50C-407E-A947-70E740481C1C}">
+                <a14:useLocalDpi xmlns:a14="http://schemas.microsoft.com/office/drawing/2010/main" val="0"/>
+              </a:ext>
+            </a:extLst>
+          </a:blip>
+          <a:stretch>
+            <a:fillRect/>
+          </a:stretch>
+        </p:blipFill>
+        <p:spPr bwMode="auto">
+          <a:xfrm>
+            <a:off x="628649" y="1690688"/>
+            <a:ext cx="7890136" cy="4155929"/>
+          </a:xfrm>
+          <a:prstGeom prst="rect">
+            <a:avLst/>
+          </a:prstGeom>
+          <a:noFill/>
+          <a:ln>
+            <a:noFill/>
+          </a:ln>
+        </p:spPr>
+      </p:pic>
+    </p:spTree>
+    <p:extLst>
+      <p:ext uri="{BB962C8B-B14F-4D97-AF65-F5344CB8AC3E}">
+        <p14:creationId xmlns:p14="http://schemas.microsoft.com/office/powerpoint/2010/main" val="2787514135"/>
+      </p:ext>
+    </p:extLst>
+  </p:cSld>
+  <p:clrMapOvr>
+    <a:masterClrMapping/>
+  </p:clrMapOvr>
+</p:sld>
+</file>
+
+<file path=ppt/slides/slide16.xml><?xml version="1.0" encoding="utf-8"?>
+<p:sld xmlns:a="http://schemas.openxmlformats.org/drawingml/2006/main" xmlns:r="http://schemas.openxmlformats.org/officeDocument/2006/relationships" xmlns:p="http://schemas.openxmlformats.org/presentationml/2006/main">
+  <p:cSld>
+    <p:spTree>
+      <p:nvGrpSpPr>
+        <p:cNvPr id="1" name=""/>
+        <p:cNvGrpSpPr/>
+        <p:nvPr/>
+      </p:nvGrpSpPr>
+      <p:grpSpPr>
+        <a:xfrm>
+          <a:off x="0" y="0"/>
+          <a:ext cx="0" cy="0"/>
+          <a:chOff x="0" y="0"/>
+          <a:chExt cx="0" cy="0"/>
+        </a:xfrm>
+      </p:grpSpPr>
+      <p:sp>
+        <p:nvSpPr>
+          <p:cNvPr id="4" name="Google Shape;168;p3">
+            <a:extLst>
+              <a:ext uri="{FF2B5EF4-FFF2-40B4-BE49-F238E27FC236}">
+                <a16:creationId xmlns:a16="http://schemas.microsoft.com/office/drawing/2014/main" id="{2539D7DA-C664-410B-9FE1-CCD1A0CA28E5}"/>
+              </a:ext>
+            </a:extLst>
+          </p:cNvPr>
+          <p:cNvSpPr txBox="1">
+            <a:spLocks noGrp="1"/>
+          </p:cNvSpPr>
+          <p:nvPr>
+            <p:ph type="title"/>
+          </p:nvPr>
+        </p:nvSpPr>
+        <p:spPr>
+          <a:xfrm>
+            <a:off x="628650" y="365126"/>
+            <a:ext cx="7886700" cy="1325563"/>
+          </a:xfrm>
+          <a:prstGeom prst="rect">
+            <a:avLst/>
+          </a:prstGeom>
+          <a:noFill/>
+          <a:ln>
+            <a:noFill/>
+          </a:ln>
+        </p:spPr>
+        <p:txBody>
+          <a:bodyPr spcFirstLastPara="1" wrap="square" lIns="91425" tIns="45700" rIns="91425" bIns="45700" anchor="ctr" anchorCtr="0">
+            <a:normAutofit/>
+          </a:bodyPr>
+          <a:lstStyle/>
+          <a:p>
+            <a:pPr marL="0" lvl="0" indent="0" algn="l" rtl="0">
+              <a:lnSpc>
+                <a:spcPct val="90000"/>
+              </a:lnSpc>
+              <a:spcBef>
+                <a:spcPts val="0"/>
+              </a:spcBef>
+              <a:spcAft>
+                <a:spcPts val="0"/>
+              </a:spcAft>
+              <a:buClr>
+                <a:schemeClr val="dk1"/>
+              </a:buClr>
+              <a:buSzPts val="3300"/>
+              <a:buFont typeface="Play"/>
+              <a:buNone/>
+            </a:pPr>
+            <a:r>
+              <a:rPr lang="ru-RU" dirty="0">
+                <a:latin typeface="Arial"/>
+                <a:ea typeface="Arial"/>
+                <a:cs typeface="Arial"/>
+                <a:sym typeface="Arial"/>
+              </a:rPr>
+              <a:t>Интерфейс приложения</a:t>
+            </a:r>
+            <a:endParaRPr dirty="0">
+              <a:latin typeface="Arial"/>
+              <a:ea typeface="Arial"/>
+              <a:cs typeface="Arial"/>
+              <a:sym typeface="Arial"/>
+            </a:endParaRPr>
+          </a:p>
+        </p:txBody>
+      </p:sp>
+      <p:pic>
+        <p:nvPicPr>
+          <p:cNvPr id="5" name="Рисунок 4">
+            <a:extLst>
+              <a:ext uri="{FF2B5EF4-FFF2-40B4-BE49-F238E27FC236}">
+                <a16:creationId xmlns:a16="http://schemas.microsoft.com/office/drawing/2014/main" id="{C4E948C7-6426-40C0-86BA-7F5F6F53ACA7}"/>
+              </a:ext>
+            </a:extLst>
+          </p:cNvPr>
+          <p:cNvPicPr>
+            <a:picLocks noChangeAspect="1"/>
+          </p:cNvPicPr>
+          <p:nvPr/>
+        </p:nvPicPr>
+        <p:blipFill>
+          <a:blip r:embed="rId2">
+            <a:extLst>
+              <a:ext uri="{28A0092B-C50C-407E-A947-70E740481C1C}">
+                <a14:useLocalDpi xmlns:a14="http://schemas.microsoft.com/office/drawing/2010/main" val="0"/>
+              </a:ext>
+            </a:extLst>
+          </a:blip>
+          <a:srcRect/>
+          <a:stretch>
+            <a:fillRect/>
+          </a:stretch>
+        </p:blipFill>
+        <p:spPr bwMode="auto">
+          <a:xfrm>
+            <a:off x="448540" y="1593489"/>
+            <a:ext cx="4756399" cy="2659639"/>
+          </a:xfrm>
+          <a:prstGeom prst="rect">
+            <a:avLst/>
+          </a:prstGeom>
+          <a:noFill/>
+          <a:ln>
+            <a:noFill/>
+          </a:ln>
+        </p:spPr>
+      </p:pic>
+      <p:pic>
+        <p:nvPicPr>
+          <p:cNvPr id="6" name="Рисунок 5">
+            <a:extLst>
+              <a:ext uri="{FF2B5EF4-FFF2-40B4-BE49-F238E27FC236}">
+                <a16:creationId xmlns:a16="http://schemas.microsoft.com/office/drawing/2014/main" id="{3FE4CF93-1369-4703-8E1B-5AF64A84C1C0}"/>
+              </a:ext>
+            </a:extLst>
+          </p:cNvPr>
+          <p:cNvPicPr>
+            <a:picLocks noChangeAspect="1"/>
+          </p:cNvPicPr>
+          <p:nvPr/>
+        </p:nvPicPr>
+        <p:blipFill>
+          <a:blip r:embed="rId3">
+            <a:extLst>
+              <a:ext uri="{28A0092B-C50C-407E-A947-70E740481C1C}">
+                <a14:useLocalDpi xmlns:a14="http://schemas.microsoft.com/office/drawing/2010/main" val="0"/>
+              </a:ext>
+            </a:extLst>
+          </a:blip>
+          <a:srcRect/>
+          <a:stretch/>
+        </p:blipFill>
+        <p:spPr>
+          <a:xfrm>
+            <a:off x="1065922" y="2919053"/>
+            <a:ext cx="8068553" cy="3938948"/>
+          </a:xfrm>
+          <a:prstGeom prst="rect">
+            <a:avLst/>
+          </a:prstGeom>
+          <a:ln w="38100" cap="sq">
+            <a:solidFill>
+              <a:srgbClr val="000000"/>
+            </a:solidFill>
+            <a:prstDash val="solid"/>
+            <a:miter lim="800000"/>
+          </a:ln>
+          <a:effectLst>
+            <a:outerShdw blurRad="50800" dist="38100" dir="2700000" algn="tl" rotWithShape="0">
+              <a:srgbClr val="000000">
+                <a:alpha val="43000"/>
+              </a:srgbClr>
+            </a:outerShdw>
+          </a:effectLst>
+        </p:spPr>
+      </p:pic>
+    </p:spTree>
+    <p:extLst>
+      <p:ext uri="{BB962C8B-B14F-4D97-AF65-F5344CB8AC3E}">
+        <p14:creationId xmlns:p14="http://schemas.microsoft.com/office/powerpoint/2010/main" val="628578483"/>
+      </p:ext>
+    </p:extLst>
+  </p:cSld>
+  <p:clrMapOvr>
+    <a:masterClrMapping/>
+  </p:clrMapOvr>
+</p:sld>
+</file>
+
+<file path=ppt/slides/slide17.xml><?xml version="1.0" encoding="utf-8"?>
+<p:sld xmlns:a="http://schemas.openxmlformats.org/drawingml/2006/main" xmlns:r="http://schemas.openxmlformats.org/officeDocument/2006/relationships" xmlns:p="http://schemas.openxmlformats.org/presentationml/2006/main">
+  <p:cSld>
+    <p:spTree>
+      <p:nvGrpSpPr>
+        <p:cNvPr id="1" name=""/>
+        <p:cNvGrpSpPr/>
+        <p:nvPr/>
+      </p:nvGrpSpPr>
+      <p:grpSpPr>
+        <a:xfrm>
+          <a:off x="0" y="0"/>
+          <a:ext cx="0" cy="0"/>
+          <a:chOff x="0" y="0"/>
+          <a:chExt cx="0" cy="0"/>
+        </a:xfrm>
+      </p:grpSpPr>
+      <p:sp>
+        <p:nvSpPr>
+          <p:cNvPr id="4" name="Google Shape;168;p3">
+            <a:extLst>
+              <a:ext uri="{FF2B5EF4-FFF2-40B4-BE49-F238E27FC236}">
+                <a16:creationId xmlns:a16="http://schemas.microsoft.com/office/drawing/2014/main" id="{2539D7DA-C664-410B-9FE1-CCD1A0CA28E5}"/>
+              </a:ext>
+            </a:extLst>
+          </p:cNvPr>
+          <p:cNvSpPr txBox="1">
+            <a:spLocks noGrp="1"/>
+          </p:cNvSpPr>
+          <p:nvPr>
+            <p:ph type="title"/>
+          </p:nvPr>
+        </p:nvSpPr>
+        <p:spPr>
+          <a:xfrm>
+            <a:off x="628650" y="365126"/>
+            <a:ext cx="7886700" cy="1325563"/>
+          </a:xfrm>
+          <a:prstGeom prst="rect">
+            <a:avLst/>
+          </a:prstGeom>
+          <a:noFill/>
+          <a:ln>
+            <a:noFill/>
+          </a:ln>
+        </p:spPr>
+        <p:txBody>
+          <a:bodyPr spcFirstLastPara="1" wrap="square" lIns="91425" tIns="45700" rIns="91425" bIns="45700" anchor="ctr" anchorCtr="0">
+            <a:normAutofit/>
+          </a:bodyPr>
+          <a:lstStyle/>
+          <a:p>
+            <a:pPr marL="0" lvl="0" indent="0" algn="l" rtl="0">
+              <a:lnSpc>
+                <a:spcPct val="90000"/>
+              </a:lnSpc>
+              <a:spcBef>
+                <a:spcPts val="0"/>
+              </a:spcBef>
+              <a:spcAft>
+                <a:spcPts val="0"/>
+              </a:spcAft>
+              <a:buClr>
+                <a:schemeClr val="dk1"/>
+              </a:buClr>
+              <a:buSzPts val="3300"/>
+              <a:buFont typeface="Play"/>
+              <a:buNone/>
+            </a:pPr>
+            <a:r>
+              <a:rPr lang="ru-RU" dirty="0">
+                <a:latin typeface="Arial"/>
+                <a:ea typeface="Arial"/>
+                <a:cs typeface="Arial"/>
+                <a:sym typeface="Arial"/>
+              </a:rPr>
+              <a:t>Интерфейс приложения</a:t>
+            </a:r>
+            <a:endParaRPr dirty="0">
+              <a:latin typeface="Arial"/>
+              <a:ea typeface="Arial"/>
+              <a:cs typeface="Arial"/>
+              <a:sym typeface="Arial"/>
+            </a:endParaRPr>
+          </a:p>
+        </p:txBody>
+      </p:sp>
+      <p:pic>
+        <p:nvPicPr>
+          <p:cNvPr id="6" name="Рисунок 5">
+            <a:extLst>
+              <a:ext uri="{FF2B5EF4-FFF2-40B4-BE49-F238E27FC236}">
+                <a16:creationId xmlns:a16="http://schemas.microsoft.com/office/drawing/2014/main" id="{C6497705-C425-4215-ACF4-2349ECEACDA9}"/>
+              </a:ext>
+            </a:extLst>
+          </p:cNvPr>
+          <p:cNvPicPr>
+            <a:picLocks noChangeAspect="1"/>
+          </p:cNvPicPr>
+          <p:nvPr/>
+        </p:nvPicPr>
+        <p:blipFill>
+          <a:blip r:embed="rId2">
+            <a:extLst>
+              <a:ext uri="{28A0092B-C50C-407E-A947-70E740481C1C}">
+                <a14:useLocalDpi xmlns:a14="http://schemas.microsoft.com/office/drawing/2010/main" val="0"/>
+              </a:ext>
+            </a:extLst>
+          </a:blip>
+          <a:srcRect/>
+          <a:stretch/>
+        </p:blipFill>
+        <p:spPr bwMode="auto">
+          <a:xfrm>
+            <a:off x="845127" y="3026307"/>
+            <a:ext cx="8298873" cy="4010566"/>
+          </a:xfrm>
+          <a:prstGeom prst="rect">
+            <a:avLst/>
+          </a:prstGeom>
+          <a:noFill/>
+          <a:ln>
+            <a:noFill/>
+          </a:ln>
+        </p:spPr>
+      </p:pic>
+      <p:pic>
+        <p:nvPicPr>
+          <p:cNvPr id="8" name="Рисунок 7">
+            <a:extLst>
+              <a:ext uri="{FF2B5EF4-FFF2-40B4-BE49-F238E27FC236}">
+                <a16:creationId xmlns:a16="http://schemas.microsoft.com/office/drawing/2014/main" id="{BEBBDB43-9E8F-4A80-8941-3CED2E692647}"/>
+              </a:ext>
+            </a:extLst>
+          </p:cNvPr>
+          <p:cNvPicPr>
+            <a:picLocks noChangeAspect="1"/>
+          </p:cNvPicPr>
+          <p:nvPr/>
+        </p:nvPicPr>
+        <p:blipFill>
+          <a:blip r:embed="rId3">
+            <a:extLst>
+              <a:ext uri="{28A0092B-C50C-407E-A947-70E740481C1C}">
+                <a14:useLocalDpi xmlns:a14="http://schemas.microsoft.com/office/drawing/2010/main" val="0"/>
+              </a:ext>
+            </a:extLst>
+          </a:blip>
+          <a:srcRect/>
+          <a:stretch/>
+        </p:blipFill>
+        <p:spPr bwMode="auto">
+          <a:xfrm>
+            <a:off x="8994" y="1690689"/>
+            <a:ext cx="3526146" cy="4336039"/>
+          </a:xfrm>
+          <a:prstGeom prst="rect">
+            <a:avLst/>
+          </a:prstGeom>
+          <a:noFill/>
+          <a:ln>
+            <a:noFill/>
+          </a:ln>
+        </p:spPr>
+      </p:pic>
+    </p:spTree>
+    <p:extLst>
+      <p:ext uri="{BB962C8B-B14F-4D97-AF65-F5344CB8AC3E}">
+        <p14:creationId xmlns:p14="http://schemas.microsoft.com/office/powerpoint/2010/main" val="408424701"/>
+      </p:ext>
+    </p:extLst>
+  </p:cSld>
+  <p:clrMapOvr>
+    <a:masterClrMapping/>
+  </p:clrMapOvr>
+</p:sld>
+</file>
+
+<file path=ppt/slides/slide18.xml><?xml version="1.0" encoding="utf-8"?>
+<p:sld xmlns:a="http://schemas.openxmlformats.org/drawingml/2006/main" xmlns:r="http://schemas.openxmlformats.org/officeDocument/2006/relationships" xmlns:p="http://schemas.openxmlformats.org/presentationml/2006/main">
+  <p:cSld>
+    <p:spTree>
+      <p:nvGrpSpPr>
+        <p:cNvPr id="1" name=""/>
+        <p:cNvGrpSpPr/>
+        <p:nvPr/>
+      </p:nvGrpSpPr>
+      <p:grpSpPr>
+        <a:xfrm>
+          <a:off x="0" y="0"/>
+          <a:ext cx="0" cy="0"/>
+          <a:chOff x="0" y="0"/>
+          <a:chExt cx="0" cy="0"/>
+        </a:xfrm>
+      </p:grpSpPr>
+      <p:sp>
+        <p:nvSpPr>
+          <p:cNvPr id="4" name="Google Shape;168;p3">
+            <a:extLst>
+              <a:ext uri="{FF2B5EF4-FFF2-40B4-BE49-F238E27FC236}">
+                <a16:creationId xmlns:a16="http://schemas.microsoft.com/office/drawing/2014/main" id="{011C43EA-BC97-4BF5-896A-2733951680A2}"/>
+              </a:ext>
+            </a:extLst>
+          </p:cNvPr>
+          <p:cNvSpPr txBox="1">
+            <a:spLocks noGrp="1"/>
+          </p:cNvSpPr>
+          <p:nvPr>
+            <p:ph type="title"/>
+          </p:nvPr>
+        </p:nvSpPr>
+        <p:spPr>
+          <a:xfrm>
+            <a:off x="628650" y="365126"/>
+            <a:ext cx="7886700" cy="1325563"/>
+          </a:xfrm>
+          <a:prstGeom prst="rect">
+            <a:avLst/>
+          </a:prstGeom>
+          <a:noFill/>
+          <a:ln>
+            <a:noFill/>
+          </a:ln>
+        </p:spPr>
+        <p:txBody>
+          <a:bodyPr spcFirstLastPara="1" wrap="square" lIns="91425" tIns="45700" rIns="91425" bIns="45700" anchor="ctr" anchorCtr="0">
+            <a:normAutofit/>
+          </a:bodyPr>
+          <a:lstStyle/>
+          <a:p>
+            <a:pPr marL="0" lvl="0" indent="0" algn="l" rtl="0">
+              <a:lnSpc>
+                <a:spcPct val="90000"/>
+              </a:lnSpc>
+              <a:spcBef>
+                <a:spcPts val="0"/>
+              </a:spcBef>
+              <a:spcAft>
+                <a:spcPts val="0"/>
+              </a:spcAft>
+              <a:buClr>
+                <a:schemeClr val="dk1"/>
+              </a:buClr>
+              <a:buSzPts val="3300"/>
+              <a:buFont typeface="Play"/>
+              <a:buNone/>
+            </a:pPr>
+            <a:r>
+              <a:rPr lang="ru-RU" dirty="0">
+                <a:latin typeface="Arial"/>
+                <a:ea typeface="Arial"/>
+                <a:cs typeface="Arial"/>
+                <a:sym typeface="Arial"/>
+              </a:rPr>
+              <a:t>Заключение</a:t>
+            </a:r>
+            <a:endParaRPr dirty="0">
+              <a:latin typeface="Arial"/>
+              <a:ea typeface="Arial"/>
+              <a:cs typeface="Arial"/>
+              <a:sym typeface="Arial"/>
+            </a:endParaRPr>
+          </a:p>
+        </p:txBody>
+      </p:sp>
+      <p:sp>
+        <p:nvSpPr>
+          <p:cNvPr id="6" name="Google Shape;238;p14">
+            <a:extLst>
+              <a:ext uri="{FF2B5EF4-FFF2-40B4-BE49-F238E27FC236}">
+                <a16:creationId xmlns:a16="http://schemas.microsoft.com/office/drawing/2014/main" id="{C55F182C-9C81-4D88-B0A9-695F88D820A7}"/>
               </a:ext>
             </a:extLst>
           </p:cNvPr>
@@ -4126,8 +5405,8 @@
         </p:nvSpPr>
         <p:spPr>
           <a:xfrm>
-            <a:off x="628650" y="1825625"/>
-            <a:ext cx="7886700" cy="4540500"/>
+            <a:off x="628650" y="1690689"/>
+            <a:ext cx="7886700" cy="2980500"/>
           </a:xfrm>
           <a:prstGeom prst="rect">
             <a:avLst/>
@@ -4306,43 +5585,112 @@
             </a:lvl9pPr>
           </a:lstStyle>
           <a:p>
-            <a:pPr marL="0" indent="0" algn="just">
-              <a:lnSpc>
-                <a:spcPct val="150000"/>
-              </a:lnSpc>
-              <a:spcBef>
-                <a:spcPts val="750"/>
-              </a:spcBef>
-              <a:buFont typeface="Arial" panose="020B0604020202020204" pitchFamily="34" charset="0"/>
-              <a:buNone/>
+            <a:pPr marL="419100" indent="-342900">
+              <a:lnSpc>
+                <a:spcPct val="115000"/>
+              </a:lnSpc>
+              <a:spcBef>
+                <a:spcPts val="0"/>
+              </a:spcBef>
+              <a:buClr>
+                <a:schemeClr val="dk1"/>
+              </a:buClr>
+              <a:buSzPts val="1600"/>
             </a:pPr>
-            <a:endParaRPr lang="ru-RU" sz="2000" dirty="0"/>
-          </a:p>
-          <a:p>
-            <a:pPr marL="0" indent="0" algn="just">
-              <a:lnSpc>
-                <a:spcPct val="150000"/>
-              </a:lnSpc>
-              <a:spcBef>
-                <a:spcPts val="750"/>
-              </a:spcBef>
-              <a:buFont typeface="Arial" panose="020B0604020202020204" pitchFamily="34" charset="0"/>
-              <a:buNone/>
+            <a:r>
+              <a:rPr lang="ru-RU" sz="2000" dirty="0"/>
+              <a:t>Исследован рынок мессенджеров</a:t>
+            </a:r>
+          </a:p>
+          <a:p>
+            <a:pPr marL="419100" indent="-342900">
+              <a:lnSpc>
+                <a:spcPct val="115000"/>
+              </a:lnSpc>
+              <a:spcBef>
+                <a:spcPts val="0"/>
+              </a:spcBef>
+              <a:buClr>
+                <a:schemeClr val="dk1"/>
+              </a:buClr>
+              <a:buSzPts val="1600"/>
             </a:pPr>
-            <a:endParaRPr lang="ru-RU" sz="2000" dirty="0"/>
-          </a:p>
-          <a:p>
-            <a:pPr marL="0" indent="0" algn="just">
-              <a:lnSpc>
-                <a:spcPct val="150000"/>
-              </a:lnSpc>
-              <a:spcBef>
-                <a:spcPts val="750"/>
-              </a:spcBef>
-              <a:buFont typeface="Arial" panose="020B0604020202020204" pitchFamily="34" charset="0"/>
-              <a:buNone/>
+            <a:r>
+              <a:rPr lang="ru-RU" sz="2000" dirty="0"/>
+              <a:t>Произведен обзор аналогов</a:t>
+            </a:r>
+          </a:p>
+          <a:p>
+            <a:pPr marL="419100" indent="-342900">
+              <a:lnSpc>
+                <a:spcPct val="115000"/>
+              </a:lnSpc>
+              <a:spcBef>
+                <a:spcPts val="0"/>
+              </a:spcBef>
+              <a:buClr>
+                <a:schemeClr val="dk1"/>
+              </a:buClr>
+              <a:buSzPts val="1600"/>
             </a:pPr>
-            <a:endParaRPr lang="ru-RU" sz="1800" dirty="0"/>
+            <a:r>
+              <a:rPr lang="ru-RU" sz="2000" dirty="0"/>
+              <a:t>Рассмотрены инструменты разработки</a:t>
+            </a:r>
+          </a:p>
+          <a:p>
+            <a:pPr marL="419100" indent="-342900">
+              <a:lnSpc>
+                <a:spcPct val="115000"/>
+              </a:lnSpc>
+              <a:spcBef>
+                <a:spcPts val="0"/>
+              </a:spcBef>
+              <a:buClr>
+                <a:schemeClr val="dk1"/>
+              </a:buClr>
+              <a:buSzPts val="1600"/>
+            </a:pPr>
+            <a:r>
+              <a:rPr lang="ru-RU" sz="2000" dirty="0"/>
+              <a:t>Спроектированы требования и архитектура ПО</a:t>
+            </a:r>
+          </a:p>
+          <a:p>
+            <a:pPr marL="419100" indent="-342900">
+              <a:lnSpc>
+                <a:spcPct val="115000"/>
+              </a:lnSpc>
+              <a:spcBef>
+                <a:spcPts val="0"/>
+              </a:spcBef>
+              <a:buClr>
+                <a:schemeClr val="dk1"/>
+              </a:buClr>
+              <a:buSzPts val="1600"/>
+            </a:pPr>
+            <a:r>
+              <a:rPr lang="ru-RU" sz="2000" dirty="0"/>
+              <a:t>Разработано серверное приложение</a:t>
+            </a:r>
+          </a:p>
+          <a:p>
+            <a:pPr marL="419100" indent="-342900">
+              <a:lnSpc>
+                <a:spcPct val="115000"/>
+              </a:lnSpc>
+              <a:spcBef>
+                <a:spcPts val="0"/>
+              </a:spcBef>
+              <a:buClr>
+                <a:schemeClr val="dk1"/>
+              </a:buClr>
+              <a:buSzPts val="1600"/>
+            </a:pPr>
+            <a:r>
+              <a:rPr lang="ru-RU" sz="2000" dirty="0"/>
+              <a:t>Разработано пользовательское приложение</a:t>
+            </a:r>
           </a:p>
         </p:txBody>
       </p:sp>
@@ -4359,7 +5707,7 @@
 </p:sld>
 </file>
 
-<file path=ppt/slides/slide13.xml><?xml version="1.0" encoding="utf-8"?>
+<file path=ppt/slides/slide19.xml><?xml version="1.0" encoding="utf-8"?>
 <p:sld xmlns:a="http://schemas.openxmlformats.org/drawingml/2006/main" xmlns:r="http://schemas.openxmlformats.org/officeDocument/2006/relationships" xmlns:p="http://schemas.openxmlformats.org/presentationml/2006/main">
   <p:cSld>
     <p:spTree>
